--- a/WeMeanSustainability_Risk_MS Hackathon.pptx
+++ b/WeMeanSustainability_Risk_MS Hackathon.pptx
@@ -277,7 +277,7 @@
       <p15:sldGuideLst xmlns:p15="http://schemas.microsoft.com/office/powerpoint/2012/main"/>
     </p:ext>
     <p:ext uri="http://customooxmlschemas.google.com/">
-      <go:slidesCustomData xmlns="" xmlns:go="http://customooxmlschemas.google.com/" xmlns:ahyp="http://schemas.microsoft.com/office/drawing/2018/hyperlinkcolor" xmlns:p15="http://schemas.microsoft.com/office/powerpoint/2012/main" xmlns:p14="http://schemas.microsoft.com/office/powerpoint/2010/main" xmlns:com="http://schemas.openxmlformats.org/drawingml/2006/compatibility" xmlns:pvml="urn:schemas-microsoft-com:office:powerpoint" xmlns:v="urn:schemas-microsoft-com:vml" xmlns:o="urn:schemas-microsoft-com:office:office" xmlns:dgm="http://schemas.openxmlformats.org/drawingml/2006/diagram" xmlns:c="http://schemas.openxmlformats.org/drawingml/2006/chart" xmlns:mv="urn:schemas-microsoft-com:mac:vml" xmlns:mc="http://schemas.openxmlformats.org/markup-compatibility/2006" r:id="rId27" roundtripDataSignature="AMtx7mg4ID0MW+58A5oAZz0iuzSAYbU9/A=="/>
+      <go:slidesCustomData xmlns:mc="http://schemas.openxmlformats.org/markup-compatibility/2006" xmlns:mv="urn:schemas-microsoft-com:mac:vml" xmlns:c="http://schemas.openxmlformats.org/drawingml/2006/chart" xmlns:dgm="http://schemas.openxmlformats.org/drawingml/2006/diagram" xmlns:o="urn:schemas-microsoft-com:office:office" xmlns:v="urn:schemas-microsoft-com:vml" xmlns:pvml="urn:schemas-microsoft-com:office:powerpoint" xmlns:com="http://schemas.openxmlformats.org/drawingml/2006/compatibility" xmlns:p14="http://schemas.microsoft.com/office/powerpoint/2010/main" xmlns:p15="http://schemas.microsoft.com/office/powerpoint/2012/main" xmlns:ahyp="http://schemas.microsoft.com/office/drawing/2018/hyperlinkcolor" xmlns:go="http://customooxmlschemas.google.com/" xmlns="" r:id="rId27" roundtripDataSignature="AMtx7mg4ID0MW+58A5oAZz0iuzSAYbU9/A=="/>
     </p:ext>
   </p:extLst>
 </p:presentation>
@@ -44271,7 +44271,7 @@
         </p:nvSpPr>
         <p:spPr>
           <a:xfrm>
-            <a:off x="249382" y="3882346"/>
+            <a:off x="249382" y="4251659"/>
             <a:ext cx="8488217" cy="492600"/>
           </a:xfrm>
           <a:prstGeom prst="rect">
@@ -44308,7 +44308,7 @@
               </a:buClr>
             </a:pPr>
             <a:r>
-              <a:rPr lang="en-IN" b="1">
+              <a:rPr lang="en-IN" b="1" dirty="0">
                 <a:solidFill>
                   <a:schemeClr val="accent2"/>
                 </a:solidFill>
@@ -44369,16 +44369,46 @@
               </a:buClr>
             </a:pPr>
             <a:r>
-              <a:rPr lang="en-IN" b="1">
+              <a:rPr lang="en-IN" b="1" dirty="0">
                 <a:solidFill>
                   <a:schemeClr val="accent2"/>
                 </a:solidFill>
               </a:rPr>
-              <a:t>GitHub Repository Link: https://github.com/dhanashribhagwat/CG-WeMeanSustainability/tree/main</a:t>
+              <a:t>GitHub Repository Link: https://github.com/dhanashribhagwat/CG-WeMeanSustainability.git</a:t>
             </a:r>
           </a:p>
         </p:txBody>
       </p:sp>
+      <p:pic>
+        <p:nvPicPr>
+          <p:cNvPr id="4" name="Picture 3">
+            <a:extLst>
+              <a:ext uri="{FF2B5EF4-FFF2-40B4-BE49-F238E27FC236}">
+                <a16:creationId xmlns:a16="http://schemas.microsoft.com/office/drawing/2014/main" id="{50CEE049-C7F3-0D36-ACD1-A0E100B74355}"/>
+              </a:ext>
+            </a:extLst>
+          </p:cNvPr>
+          <p:cNvPicPr>
+            <a:picLocks noChangeAspect="1"/>
+          </p:cNvPicPr>
+          <p:nvPr/>
+        </p:nvPicPr>
+        <p:blipFill>
+          <a:blip r:embed="rId4"/>
+          <a:stretch>
+            <a:fillRect/>
+          </a:stretch>
+        </p:blipFill>
+        <p:spPr>
+          <a:xfrm>
+            <a:off x="406401" y="1187583"/>
+            <a:ext cx="5628290" cy="2861692"/>
+          </a:xfrm>
+          <a:prstGeom prst="rect">
+            <a:avLst/>
+          </a:prstGeom>
+        </p:spPr>
+      </p:pic>
     </p:spTree>
     <p:extLst>
       <p:ext uri="{BB962C8B-B14F-4D97-AF65-F5344CB8AC3E}">
@@ -45236,25 +45266,6 @@
 </file>
 
 <file path=customXml/item1.xml><?xml version="1.0" encoding="utf-8"?>
-<p:properties xmlns:p="http://schemas.microsoft.com/office/2006/metadata/properties" xmlns:xsi="http://www.w3.org/2001/XMLSchema-instance" xmlns:pc="http://schemas.microsoft.com/office/infopath/2007/PartnerControls">
-  <documentManagement>
-    <SharedWithUsers xmlns="1626dc77-b39e-41e8-b414-235ff0d47c53">
-      <UserInfo>
-        <DisplayName>Bhargave, Shreyas</DisplayName>
-        <AccountId>12</AccountId>
-        <AccountType/>
-      </UserInfo>
-      <UserInfo>
-        <DisplayName>Bhagwat, Dhanashri</DisplayName>
-        <AccountId>16</AccountId>
-        <AccountType/>
-      </UserInfo>
-    </SharedWithUsers>
-  </documentManagement>
-</p:properties>
-</file>
-
-<file path=customXml/item2.xml><?xml version="1.0" encoding="utf-8"?>
 <ct:contentTypeSchema xmlns:ct="http://schemas.microsoft.com/office/2006/metadata/contentType" xmlns:ma="http://schemas.microsoft.com/office/2006/metadata/properties/metaAttributes" ct:_="" ma:_="" ma:contentTypeName="Document" ma:contentTypeID="0x010100BC213ED2D444D9498392DB4375F1A21A" ma:contentTypeVersion="4" ma:contentTypeDescription="Create a new document." ma:contentTypeScope="" ma:versionID="ec321124fa567678c49a2f25b44cec1a">
   <xsd:schema xmlns:xsd="http://www.w3.org/2001/XMLSchema" xmlns:xs="http://www.w3.org/2001/XMLSchema" xmlns:p="http://schemas.microsoft.com/office/2006/metadata/properties" xmlns:ns2="feed2f2d-51d2-4ef0-96b0-f238e32c760d" xmlns:ns3="1626dc77-b39e-41e8-b414-235ff0d47c53" targetNamespace="http://schemas.microsoft.com/office/2006/metadata/properties" ma:root="true" ma:fieldsID="eac2b562e27f920eacbe799f1317a879" ns2:_="" ns3:_="">
     <xsd:import namespace="feed2f2d-51d2-4ef0-96b0-f238e32c760d"/>
@@ -45419,6 +45430,25 @@
 </ct:contentTypeSchema>
 </file>
 
+<file path=customXml/item2.xml><?xml version="1.0" encoding="utf-8"?>
+<p:properties xmlns:p="http://schemas.microsoft.com/office/2006/metadata/properties" xmlns:xsi="http://www.w3.org/2001/XMLSchema-instance" xmlns:pc="http://schemas.microsoft.com/office/infopath/2007/PartnerControls">
+  <documentManagement>
+    <SharedWithUsers xmlns="1626dc77-b39e-41e8-b414-235ff0d47c53">
+      <UserInfo>
+        <DisplayName>Bhargave, Shreyas</DisplayName>
+        <AccountId>12</AccountId>
+        <AccountType/>
+      </UserInfo>
+      <UserInfo>
+        <DisplayName>Bhagwat, Dhanashri</DisplayName>
+        <AccountId>16</AccountId>
+        <AccountType/>
+      </UserInfo>
+    </SharedWithUsers>
+  </documentManagement>
+</p:properties>
+</file>
+
 <file path=customXml/item3.xml><?xml version="1.0" encoding="utf-8"?>
 <?mso-contentType ?>
 <FormTemplates xmlns="http://schemas.microsoft.com/sharepoint/v3/contenttype/forms">
@@ -45429,23 +45459,6 @@
 </file>
 
 <file path=customXml/itemProps1.xml><?xml version="1.0" encoding="utf-8"?>
-<ds:datastoreItem xmlns:ds="http://schemas.openxmlformats.org/officeDocument/2006/customXml" ds:itemID="{185FB21D-BCB0-43BD-AA99-FC6EA26A837C}">
-  <ds:schemaRefs>
-    <ds:schemaRef ds:uri="1626dc77-b39e-41e8-b414-235ff0d47c53"/>
-    <ds:schemaRef ds:uri="feed2f2d-51d2-4ef0-96b0-f238e32c760d"/>
-    <ds:schemaRef ds:uri="http://purl.org/dc/dcmitype/"/>
-    <ds:schemaRef ds:uri="http://purl.org/dc/elements/1.1/"/>
-    <ds:schemaRef ds:uri="http://purl.org/dc/terms/"/>
-    <ds:schemaRef ds:uri="http://schemas.microsoft.com/office/2006/documentManagement/types"/>
-    <ds:schemaRef ds:uri="http://schemas.microsoft.com/office/2006/metadata/properties"/>
-    <ds:schemaRef ds:uri="http://schemas.microsoft.com/office/infopath/2007/PartnerControls"/>
-    <ds:schemaRef ds:uri="http://schemas.openxmlformats.org/package/2006/metadata/core-properties"/>
-    <ds:schemaRef ds:uri="http://www.w3.org/XML/1998/namespace"/>
-  </ds:schemaRefs>
-</ds:datastoreItem>
-</file>
-
-<file path=customXml/itemProps2.xml><?xml version="1.0" encoding="utf-8"?>
 <ds:datastoreItem xmlns:ds="http://schemas.openxmlformats.org/officeDocument/2006/customXml" ds:itemID="{4F1C6DF1-FB7C-42FF-99AE-94BADAF1210D}">
   <ds:schemaRefs>
     <ds:schemaRef ds:uri="1626dc77-b39e-41e8-b414-235ff0d47c53"/>
@@ -45464,6 +45477,23 @@
 </ds:datastoreItem>
 </file>
 
+<file path=customXml/itemProps2.xml><?xml version="1.0" encoding="utf-8"?>
+<ds:datastoreItem xmlns:ds="http://schemas.openxmlformats.org/officeDocument/2006/customXml" ds:itemID="{185FB21D-BCB0-43BD-AA99-FC6EA26A837C}">
+  <ds:schemaRefs>
+    <ds:schemaRef ds:uri="1626dc77-b39e-41e8-b414-235ff0d47c53"/>
+    <ds:schemaRef ds:uri="feed2f2d-51d2-4ef0-96b0-f238e32c760d"/>
+    <ds:schemaRef ds:uri="http://purl.org/dc/dcmitype/"/>
+    <ds:schemaRef ds:uri="http://purl.org/dc/elements/1.1/"/>
+    <ds:schemaRef ds:uri="http://purl.org/dc/terms/"/>
+    <ds:schemaRef ds:uri="http://schemas.microsoft.com/office/2006/documentManagement/types"/>
+    <ds:schemaRef ds:uri="http://schemas.microsoft.com/office/2006/metadata/properties"/>
+    <ds:schemaRef ds:uri="http://schemas.microsoft.com/office/infopath/2007/PartnerControls"/>
+    <ds:schemaRef ds:uri="http://schemas.openxmlformats.org/package/2006/metadata/core-properties"/>
+    <ds:schemaRef ds:uri="http://www.w3.org/XML/1998/namespace"/>
+  </ds:schemaRefs>
+</ds:datastoreItem>
+</file>
+
 <file path=customXml/itemProps3.xml><?xml version="1.0" encoding="utf-8"?>
 <ds:datastoreItem xmlns:ds="http://schemas.openxmlformats.org/officeDocument/2006/customXml" ds:itemID="{C5E02BC1-5C75-4F8D-9A8E-D24ADE540190}">
   <ds:schemaRefs>
